--- a/assets/wugeyue.pptx
+++ b/assets/wugeyue.pptx
@@ -104,6 +104,11 @@
       </a:defRPr>
     </a:lvl9pPr>
   </p:defaultTextStyle>
+  <p:extLst>
+    <p:ext uri="{EFAFB233-063F-42B5-8137-9DF3F51BA10A}">
+      <p15:sldGuideLst xmlns:p15="http://schemas.microsoft.com/office/powerpoint/2012/main"/>
+    </p:ext>
+  </p:extLst>
 </p:presentation>
 </file>
 
@@ -3390,6 +3395,26 @@
           <a:p>
             <a:pPr algn="ctr"/>
             <a:r>
+              <a:rPr lang="zh-CN" altLang="en-US" sz="9600" b="1">
+                <a:ln w="22225">
+                  <a:solidFill>
+                    <a:schemeClr val="accent2">
+                      <a:lumMod val="60000"/>
+                      <a:lumOff val="40000"/>
+                    </a:schemeClr>
+                  </a:solidFill>
+                  <a:prstDash val="solid"/>
+                </a:ln>
+                <a:solidFill>
+                  <a:schemeClr val="accent4">
+                    <a:lumMod val="20000"/>
+                    <a:lumOff val="80000"/>
+                  </a:schemeClr>
+                </a:solidFill>
+              </a:rPr>
+              <a:t>在一起四个月</a:t>
+            </a:r>
+            <a:r>
               <a:rPr lang="zh-CN" altLang="en-US" sz="9600" b="1" dirty="0">
                 <a:ln w="22225">
                   <a:solidFill>
@@ -3407,7 +3432,7 @@
                   </a:schemeClr>
                 </a:solidFill>
               </a:rPr>
-              <a:t>在一起五个月啦</a:t>
+              <a:t>啦</a:t>
             </a:r>
           </a:p>
         </p:txBody>
